--- a/컴퓨터시스템기초설계/9조 시스템 분석설계 수정.pptx
+++ b/컴퓨터시스템기초설계/9조 시스템 분석설계 수정.pptx
@@ -18,41 +18,41 @@
   <p:notesSz cx="6858000" cy="9144000"/>
   <p:embeddedFontLst>
     <p:embeddedFont>
-      <p:font typeface="나눔바른고딕 옛한글" charset="-127"/>
+      <p:font typeface="맑은 고딕" panose="020B0503020000020004" pitchFamily="50" charset="-127"/>
       <p:regular r:id="rId10"/>
+      <p:bold r:id="rId11"/>
     </p:embeddedFont>
     <p:embeddedFont>
-      <p:font typeface="Calibri Light" pitchFamily="34" charset="0"/>
-      <p:regular r:id="rId11"/>
-      <p:italic r:id="rId12"/>
+      <p:font typeface="Calibri Light" panose="020F0302020204030204" pitchFamily="34" charset="0"/>
+      <p:regular r:id="rId12"/>
+      <p:italic r:id="rId13"/>
     </p:embeddedFont>
     <p:embeddedFont>
-      <p:font typeface="Calibri" pitchFamily="34" charset="0"/>
-      <p:regular r:id="rId13"/>
-      <p:bold r:id="rId14"/>
-      <p:italic r:id="rId15"/>
-      <p:boldItalic r:id="rId16"/>
+      <p:font typeface="나눔손글씨 펜" panose="020B0600000101010101" charset="-127"/>
+      <p:regular r:id="rId14"/>
     </p:embeddedFont>
     <p:embeddedFont>
-      <p:font typeface="나눔손글씨 펜" charset="-127"/>
+      <p:font typeface="휴먼편지체" panose="02030504000101010101" pitchFamily="18" charset="-127"/>
+      <p:regular r:id="rId15"/>
+    </p:embeddedFont>
+    <p:embeddedFont>
+      <p:font typeface="나눔바른고딕 옛한글" panose="020B0600000101010101" charset="-127"/>
+      <p:regular r:id="rId16"/>
+    </p:embeddedFont>
+    <p:embeddedFont>
+      <p:font typeface="HY엽서M" panose="02030600000101010101" pitchFamily="18" charset="-127"/>
       <p:regular r:id="rId17"/>
     </p:embeddedFont>
     <p:embeddedFont>
-      <p:font typeface="맑은 고딕" pitchFamily="50" charset="-127"/>
+      <p:font typeface="HY헤드라인M" panose="02030600000101010101" pitchFamily="18" charset="-127"/>
       <p:regular r:id="rId18"/>
-      <p:bold r:id="rId19"/>
     </p:embeddedFont>
     <p:embeddedFont>
-      <p:font typeface="휴먼편지체" pitchFamily="18" charset="-127"/>
-      <p:regular r:id="rId20"/>
-    </p:embeddedFont>
-    <p:embeddedFont>
-      <p:font typeface="HY헤드라인M" pitchFamily="18" charset="-127"/>
-      <p:regular r:id="rId21"/>
-    </p:embeddedFont>
-    <p:embeddedFont>
-      <p:font typeface="HY엽서M" pitchFamily="18" charset="-127"/>
-      <p:regular r:id="rId22"/>
+      <p:font typeface="Calibri" panose="020F0502020204030204" pitchFamily="34" charset="0"/>
+      <p:regular r:id="rId19"/>
+      <p:bold r:id="rId20"/>
+      <p:italic r:id="rId21"/>
+      <p:boldItalic r:id="rId22"/>
     </p:embeddedFont>
   </p:embeddedFontLst>
   <p:defaultTextStyle>
@@ -152,7 +152,7 @@
   </p:defaultTextStyle>
   <p:extLst>
     <p:ext uri="{EFAFB233-063F-42B5-8137-9DF3F51BA10A}">
-      <p15:sldGuideLst xmlns:p15="http://schemas.microsoft.com/office/powerpoint/2012/main" xmlns="">
+      <p15:sldGuideLst xmlns="" xmlns:p15="http://schemas.microsoft.com/office/powerpoint/2012/main">
         <p15:guide id="1" orient="horz" pos="2160" userDrawn="1">
           <p15:clr>
             <a:srgbClr val="A4A3A4"/>
@@ -301,7 +301,7 @@
             <a:fld id="{39163829-0111-4952-BDB5-00FCD226491D}" type="datetimeFigureOut">
               <a:rPr lang="ko-KR" altLang="en-US" smtClean="0"/>
               <a:pPr/>
-              <a:t>2015-10-29</a:t>
+              <a:t>2015-11-06</a:t>
             </a:fld>
             <a:endParaRPr lang="ko-KR" altLang="en-US"/>
           </a:p>
@@ -473,7 +473,7 @@
             <a:fld id="{39163829-0111-4952-BDB5-00FCD226491D}" type="datetimeFigureOut">
               <a:rPr lang="ko-KR" altLang="en-US" smtClean="0"/>
               <a:pPr/>
-              <a:t>2015-10-29</a:t>
+              <a:t>2015-11-06</a:t>
             </a:fld>
             <a:endParaRPr lang="ko-KR" altLang="en-US"/>
           </a:p>
@@ -655,7 +655,7 @@
             <a:fld id="{39163829-0111-4952-BDB5-00FCD226491D}" type="datetimeFigureOut">
               <a:rPr lang="ko-KR" altLang="en-US" smtClean="0"/>
               <a:pPr/>
-              <a:t>2015-10-29</a:t>
+              <a:t>2015-11-06</a:t>
             </a:fld>
             <a:endParaRPr lang="ko-KR" altLang="en-US"/>
           </a:p>
@@ -827,7 +827,7 @@
             <a:fld id="{39163829-0111-4952-BDB5-00FCD226491D}" type="datetimeFigureOut">
               <a:rPr lang="ko-KR" altLang="en-US" smtClean="0"/>
               <a:pPr/>
-              <a:t>2015-10-29</a:t>
+              <a:t>2015-11-06</a:t>
             </a:fld>
             <a:endParaRPr lang="ko-KR" altLang="en-US"/>
           </a:p>
@@ -1073,7 +1073,7 @@
             <a:fld id="{39163829-0111-4952-BDB5-00FCD226491D}" type="datetimeFigureOut">
               <a:rPr lang="ko-KR" altLang="en-US" smtClean="0"/>
               <a:pPr/>
-              <a:t>2015-10-29</a:t>
+              <a:t>2015-11-06</a:t>
             </a:fld>
             <a:endParaRPr lang="ko-KR" altLang="en-US"/>
           </a:p>
@@ -1307,7 +1307,7 @@
             <a:fld id="{39163829-0111-4952-BDB5-00FCD226491D}" type="datetimeFigureOut">
               <a:rPr lang="ko-KR" altLang="en-US" smtClean="0"/>
               <a:pPr/>
-              <a:t>2015-10-29</a:t>
+              <a:t>2015-11-06</a:t>
             </a:fld>
             <a:endParaRPr lang="ko-KR" altLang="en-US"/>
           </a:p>
@@ -1676,7 +1676,7 @@
             <a:fld id="{39163829-0111-4952-BDB5-00FCD226491D}" type="datetimeFigureOut">
               <a:rPr lang="ko-KR" altLang="en-US" smtClean="0"/>
               <a:pPr/>
-              <a:t>2015-10-29</a:t>
+              <a:t>2015-11-06</a:t>
             </a:fld>
             <a:endParaRPr lang="ko-KR" altLang="en-US"/>
           </a:p>
@@ -1796,7 +1796,7 @@
             <a:fld id="{39163829-0111-4952-BDB5-00FCD226491D}" type="datetimeFigureOut">
               <a:rPr lang="ko-KR" altLang="en-US" smtClean="0"/>
               <a:pPr/>
-              <a:t>2015-10-29</a:t>
+              <a:t>2015-11-06</a:t>
             </a:fld>
             <a:endParaRPr lang="ko-KR" altLang="en-US"/>
           </a:p>
@@ -1893,7 +1893,7 @@
             <a:fld id="{39163829-0111-4952-BDB5-00FCD226491D}" type="datetimeFigureOut">
               <a:rPr lang="ko-KR" altLang="en-US" smtClean="0"/>
               <a:pPr/>
-              <a:t>2015-10-29</a:t>
+              <a:t>2015-11-06</a:t>
             </a:fld>
             <a:endParaRPr lang="ko-KR" altLang="en-US"/>
           </a:p>
@@ -2172,7 +2172,7 @@
             <a:fld id="{39163829-0111-4952-BDB5-00FCD226491D}" type="datetimeFigureOut">
               <a:rPr lang="ko-KR" altLang="en-US" smtClean="0"/>
               <a:pPr/>
-              <a:t>2015-10-29</a:t>
+              <a:t>2015-11-06</a:t>
             </a:fld>
             <a:endParaRPr lang="ko-KR" altLang="en-US"/>
           </a:p>
@@ -2431,7 +2431,7 @@
             <a:fld id="{39163829-0111-4952-BDB5-00FCD226491D}" type="datetimeFigureOut">
               <a:rPr lang="ko-KR" altLang="en-US" smtClean="0"/>
               <a:pPr/>
-              <a:t>2015-10-29</a:t>
+              <a:t>2015-11-06</a:t>
             </a:fld>
             <a:endParaRPr lang="ko-KR" altLang="en-US"/>
           </a:p>
@@ -2646,7 +2646,7 @@
             <a:fld id="{39163829-0111-4952-BDB5-00FCD226491D}" type="datetimeFigureOut">
               <a:rPr lang="ko-KR" altLang="en-US" smtClean="0"/>
               <a:pPr/>
-              <a:t>2015-10-29</a:t>
+              <a:t>2015-11-06</a:t>
             </a:fld>
             <a:endParaRPr lang="ko-KR" altLang="en-US"/>
           </a:p>
@@ -4692,7 +4692,7 @@
         <p:spPr>
           <a:xfrm>
             <a:off x="4494950" y="1440417"/>
-            <a:ext cx="877163" cy="369332"/>
+            <a:ext cx="1590500" cy="584775"/>
           </a:xfrm>
           <a:prstGeom prst="rect">
             <a:avLst/>
@@ -4707,12 +4707,20 @@
           <a:p>
             <a:r>
               <a:rPr lang="ko-KR" altLang="en-US" dirty="0" smtClean="0"/>
-              <a:t>평상</a:t>
-            </a:r>
-            <a:r>
-              <a:rPr lang="ko-KR" altLang="en-US" dirty="0"/>
-              <a:t>시</a:t>
-            </a:r>
+              <a:t>평상시</a:t>
+            </a:r>
+            <a:endParaRPr lang="en-US" altLang="ko-KR" dirty="0" smtClean="0"/>
+          </a:p>
+          <a:p>
+            <a:r>
+              <a:rPr lang="en-US" altLang="ko-KR" sz="1400" dirty="0" smtClean="0"/>
+              <a:t>GPS</a:t>
+            </a:r>
+            <a:r>
+              <a:rPr lang="ko-KR" altLang="en-US" sz="1400" dirty="0" smtClean="0"/>
+              <a:t>정보를 가져옴</a:t>
+            </a:r>
+            <a:endParaRPr lang="ko-KR" altLang="en-US" sz="1400" dirty="0"/>
           </a:p>
         </p:txBody>
       </p:sp>
@@ -5514,7 +5522,15 @@
                   <a:schemeClr val="tx1"/>
                 </a:solidFill>
               </a:rPr>
-              <a:t>부모가 지정한 지역범위 이탈</a:t>
+              <a:t>부모가 지정한 지역범위 </a:t>
+            </a:r>
+            <a:r>
+              <a:rPr lang="ko-KR" altLang="en-US" sz="1400" dirty="0" smtClean="0">
+                <a:solidFill>
+                  <a:schemeClr val="tx1"/>
+                </a:solidFill>
+              </a:rPr>
+              <a:t>이탈</a:t>
             </a:r>
             <a:r>
               <a:rPr lang="en-US" altLang="ko-KR" sz="1400" dirty="0" smtClean="0">
@@ -5530,7 +5546,15 @@
                   <a:schemeClr val="tx1"/>
                 </a:solidFill>
               </a:rPr>
-              <a:t>음성 인식 시스템 으로 위급상황 발생 판단 </a:t>
+              <a:t>음성 인식 시스템 </a:t>
+            </a:r>
+            <a:r>
+              <a:rPr lang="ko-KR" altLang="en-US" sz="1400" dirty="0" smtClean="0">
+                <a:solidFill>
+                  <a:schemeClr val="tx1"/>
+                </a:solidFill>
+              </a:rPr>
+              <a:t>으로 위급상황 발생 판단 </a:t>
             </a:r>
             <a:endParaRPr lang="en-US" altLang="ko-KR" sz="1400" dirty="0" smtClean="0">
               <a:solidFill>
@@ -5861,7 +5885,7 @@
           </a:p>
           <a:p>
             <a:pPr algn="ctr"/>
-            <a:endParaRPr lang="en-US" altLang="ko-KR" sz="1200" dirty="0" smtClean="0">
+            <a:endParaRPr lang="en-US" altLang="ko-KR" sz="1200" dirty="0">
               <a:solidFill>
                 <a:schemeClr val="tx1"/>
               </a:solidFill>
@@ -6313,11 +6337,23 @@
                 <a:latin typeface="+mj-ea"/>
                 <a:ea typeface="+mj-ea"/>
               </a:rPr>
-              <a:t>이탈 감지</a:t>
-            </a:r>
-            <a:endParaRPr lang="en-US" altLang="ko-KR" sz="1200" b="1" dirty="0" smtClean="0">
+              <a:t>이탈 </a:t>
+            </a:r>
+            <a:r>
+              <a:rPr lang="ko-KR" altLang="en-US" sz="1200" b="1" dirty="0" smtClean="0">
+                <a:solidFill>
+                  <a:schemeClr val="tx1"/>
+                </a:solidFill>
+                <a:latin typeface="+mj-ea"/>
+                <a:ea typeface="+mj-ea"/>
+              </a:rPr>
+              <a:t>감지</a:t>
+            </a:r>
+            <a:endParaRPr lang="en-US" altLang="ko-KR" sz="1200" dirty="0">
               <a:solidFill>
-                <a:schemeClr val="tx1"/>
+                <a:schemeClr val="bg2">
+                  <a:lumMod val="50000"/>
+                </a:schemeClr>
               </a:solidFill>
               <a:latin typeface="+mj-ea"/>
               <a:ea typeface="+mj-ea"/>
@@ -6337,67 +6373,10 @@
                   <a:schemeClr val="tx1"/>
                 </a:solidFill>
                 <a:latin typeface="+mj-ea"/>
-                <a:ea typeface="+mj-ea"/>
-              </a:rPr>
-              <a:t>음성 인식장치를 통해 언어폭력</a:t>
-            </a:r>
-            <a:r>
-              <a:rPr lang="en-US" altLang="ko-KR" sz="1200" b="1" dirty="0" smtClean="0">
-                <a:solidFill>
-                  <a:schemeClr val="tx1"/>
-                </a:solidFill>
-                <a:latin typeface="+mj-ea"/>
-                <a:ea typeface="+mj-ea"/>
-              </a:rPr>
-              <a:t>, </a:t>
-            </a:r>
-            <a:r>
-              <a:rPr lang="ko-KR" altLang="en-US" sz="1200" b="1" dirty="0" smtClean="0">
-                <a:solidFill>
-                  <a:schemeClr val="tx1"/>
-                </a:solidFill>
-                <a:latin typeface="+mj-ea"/>
-                <a:ea typeface="+mj-ea"/>
-              </a:rPr>
-              <a:t>상대방의 목소리</a:t>
-            </a:r>
-            <a:r>
-              <a:rPr lang="en-US" altLang="ko-KR" sz="1200" b="1" dirty="0" smtClean="0">
-                <a:solidFill>
-                  <a:schemeClr val="tx1"/>
-                </a:solidFill>
-                <a:latin typeface="+mj-ea"/>
-                <a:ea typeface="+mj-ea"/>
-              </a:rPr>
-              <a:t>, </a:t>
-            </a:r>
-            <a:r>
-              <a:rPr lang="ko-KR" altLang="en-US" sz="1200" b="1" dirty="0" smtClean="0">
-                <a:solidFill>
-                  <a:schemeClr val="tx1"/>
-                </a:solidFill>
-                <a:latin typeface="+mj-ea"/>
-                <a:ea typeface="+mj-ea"/>
-              </a:rPr>
-              <a:t>사용된 단어를 파악하여 위험 감지</a:t>
-            </a:r>
-            <a:endParaRPr lang="ko-KR" altLang="en-US" sz="1200" b="1" dirty="0">
-              <a:solidFill>
-                <a:schemeClr val="tx1"/>
-              </a:solidFill>
-              <a:latin typeface="+mj-ea"/>
-              <a:ea typeface="+mj-ea"/>
-            </a:endParaRPr>
-          </a:p>
-          <a:p>
-            <a:pPr marL="285750" indent="-285750">
-              <a:lnSpc>
-                <a:spcPts val="2800"/>
-              </a:lnSpc>
-              <a:buFontTx/>
-              <a:buChar char="-"/>
-            </a:pPr>
-            <a:endParaRPr lang="ko-KR" altLang="en-US" sz="1200" dirty="0">
+              </a:rPr>
+              <a:t>옷에 부착된 스위치를 이용해서 상황을 인식</a:t>
+            </a:r>
+            <a:endParaRPr lang="en-US" altLang="ko-KR" sz="1200" dirty="0" smtClean="0">
               <a:solidFill>
                 <a:schemeClr val="bg2">
                   <a:lumMod val="50000"/>
@@ -8043,17 +8022,19 @@
       <p:cxnSp>
         <p:nvCxnSpPr>
           <p:cNvPr id="12" name="꺾인 연결선 11"/>
-          <p:cNvCxnSpPr/>
+          <p:cNvCxnSpPr>
+            <a:endCxn id="82" idx="1"/>
+          </p:cNvCxnSpPr>
           <p:nvPr/>
         </p:nvCxnSpPr>
         <p:spPr>
           <a:xfrm flipV="1">
-            <a:off x="5656384" y="3120920"/>
-            <a:ext cx="1562097" cy="1298680"/>
+            <a:off x="5656384" y="3907604"/>
+            <a:ext cx="2132063" cy="511996"/>
           </a:xfrm>
           <a:prstGeom prst="bentConnector3">
             <a:avLst>
-              <a:gd name="adj1" fmla="val 98171"/>
+              <a:gd name="adj1" fmla="val 50000"/>
             </a:avLst>
           </a:prstGeom>
           <a:ln w="19050">
@@ -8807,70 +8788,6 @@
           </a:p>
         </p:txBody>
       </p:sp>
-      <p:sp>
-        <p:nvSpPr>
-          <p:cNvPr id="45" name="직사각형 44"/>
-          <p:cNvSpPr/>
-          <p:nvPr/>
-        </p:nvSpPr>
-        <p:spPr>
-          <a:xfrm>
-            <a:off x="1031692" y="3770260"/>
-            <a:ext cx="1644833" cy="1096678"/>
-          </a:xfrm>
-          <a:prstGeom prst="rect">
-            <a:avLst/>
-          </a:prstGeom>
-          <a:solidFill>
-            <a:schemeClr val="accent6"/>
-          </a:solidFill>
-          <a:ln>
-            <a:noFill/>
-          </a:ln>
-          <a:effectLst>
-            <a:outerShdw blurRad="44450" dist="27940" dir="5400000" algn="ctr">
-              <a:srgbClr val="000000">
-                <a:alpha val="32000"/>
-              </a:srgbClr>
-            </a:outerShdw>
-          </a:effectLst>
-          <a:scene3d>
-            <a:camera prst="orthographicFront">
-              <a:rot lat="0" lon="0" rev="0"/>
-            </a:camera>
-            <a:lightRig rig="balanced" dir="t">
-              <a:rot lat="0" lon="0" rev="8700000"/>
-            </a:lightRig>
-          </a:scene3d>
-          <a:sp3d>
-            <a:bevelT w="190500" h="38100"/>
-          </a:sp3d>
-        </p:spPr>
-        <p:style>
-          <a:lnRef idx="2">
-            <a:schemeClr val="accent1">
-              <a:shade val="50000"/>
-            </a:schemeClr>
-          </a:lnRef>
-          <a:fillRef idx="1">
-            <a:schemeClr val="accent1"/>
-          </a:fillRef>
-          <a:effectRef idx="0">
-            <a:schemeClr val="accent1"/>
-          </a:effectRef>
-          <a:fontRef idx="minor">
-            <a:schemeClr val="lt1"/>
-          </a:fontRef>
-        </p:style>
-        <p:txBody>
-          <a:bodyPr rtlCol="0" anchor="ctr"/>
-          <a:lstStyle/>
-          <a:p>
-            <a:pPr algn="ctr"/>
-            <a:endParaRPr lang="ko-KR" altLang="en-US"/>
-          </a:p>
-        </p:txBody>
-      </p:sp>
       <p:pic>
         <p:nvPicPr>
           <p:cNvPr id="46" name="Picture 5"/>
@@ -8894,7 +8811,7 @@
         </p:blipFill>
         <p:spPr bwMode="auto">
           <a:xfrm>
-            <a:off x="1549308" y="3376937"/>
+            <a:off x="1905925" y="4518464"/>
             <a:ext cx="578715" cy="348474"/>
           </a:xfrm>
           <a:prstGeom prst="rect">
@@ -9097,11 +9014,13 @@
         </p:nvCxnSpPr>
         <p:spPr>
           <a:xfrm rot="5400000" flipH="1" flipV="1">
-            <a:off x="1914534" y="2610183"/>
-            <a:ext cx="690887" cy="842623"/>
-          </a:xfrm>
-          <a:prstGeom prst="curvedConnector2">
-            <a:avLst/>
+            <a:off x="1488755" y="3384230"/>
+            <a:ext cx="1840763" cy="427707"/>
+          </a:xfrm>
+          <a:prstGeom prst="curvedConnector3">
+            <a:avLst>
+              <a:gd name="adj1" fmla="val 50000"/>
+            </a:avLst>
           </a:prstGeom>
           <a:ln w="19050">
             <a:solidFill>
@@ -9135,8 +9054,8 @@
         </p:nvCxnSpPr>
         <p:spPr>
           <a:xfrm>
-            <a:off x="1016248" y="5038725"/>
-            <a:ext cx="1644833" cy="0"/>
+            <a:off x="1783326" y="4943475"/>
+            <a:ext cx="839664" cy="0"/>
           </a:xfrm>
           <a:prstGeom prst="line">
             <a:avLst/>
@@ -9164,249 +9083,14 @@
       </p:cxnSp>
       <p:sp>
         <p:nvSpPr>
-          <p:cNvPr id="1035" name="자유형 1034"/>
+          <p:cNvPr id="82" name="모서리가 둥근 직사각형 81"/>
           <p:cNvSpPr/>
           <p:nvPr/>
         </p:nvSpPr>
         <p:spPr>
           <a:xfrm>
-            <a:off x="1738475" y="5057775"/>
-            <a:ext cx="2128675" cy="858170"/>
-          </a:xfrm>
-          <a:custGeom>
-            <a:avLst/>
-            <a:gdLst>
-              <a:gd name="connsiteX0" fmla="*/ 0 w 2371725"/>
-              <a:gd name="connsiteY0" fmla="*/ 0 h 820070"/>
-              <a:gd name="connsiteX1" fmla="*/ 304800 w 2371725"/>
-              <a:gd name="connsiteY1" fmla="*/ 561975 h 820070"/>
-              <a:gd name="connsiteX2" fmla="*/ 819150 w 2371725"/>
-              <a:gd name="connsiteY2" fmla="*/ 809625 h 820070"/>
-              <a:gd name="connsiteX3" fmla="*/ 2371725 w 2371725"/>
-              <a:gd name="connsiteY3" fmla="*/ 781050 h 820070"/>
-            </a:gdLst>
-            <a:ahLst/>
-            <a:cxnLst>
-              <a:cxn ang="0">
-                <a:pos x="connsiteX0" y="connsiteY0"/>
-              </a:cxn>
-              <a:cxn ang="0">
-                <a:pos x="connsiteX1" y="connsiteY1"/>
-              </a:cxn>
-              <a:cxn ang="0">
-                <a:pos x="connsiteX2" y="connsiteY2"/>
-              </a:cxn>
-              <a:cxn ang="0">
-                <a:pos x="connsiteX3" y="connsiteY3"/>
-              </a:cxn>
-            </a:cxnLst>
-            <a:rect l="l" t="t" r="r" b="b"/>
-            <a:pathLst>
-              <a:path w="2371725" h="820070">
-                <a:moveTo>
-                  <a:pt x="0" y="0"/>
-                </a:moveTo>
-                <a:cubicBezTo>
-                  <a:pt x="84137" y="213519"/>
-                  <a:pt x="168275" y="427038"/>
-                  <a:pt x="304800" y="561975"/>
-                </a:cubicBezTo>
-                <a:cubicBezTo>
-                  <a:pt x="441325" y="696912"/>
-                  <a:pt x="474663" y="773113"/>
-                  <a:pt x="819150" y="809625"/>
-                </a:cubicBezTo>
-                <a:cubicBezTo>
-                  <a:pt x="1163637" y="846137"/>
-                  <a:pt x="2038350" y="774700"/>
-                  <a:pt x="2371725" y="781050"/>
-                </a:cubicBezTo>
-              </a:path>
-            </a:pathLst>
-          </a:custGeom>
-          <a:ln w="19050">
-            <a:solidFill>
-              <a:srgbClr val="FF0000"/>
-            </a:solidFill>
-            <a:prstDash val="dash"/>
-            <a:headEnd type="none"/>
-            <a:tailEnd type="oval"/>
-          </a:ln>
-        </p:spPr>
-        <p:style>
-          <a:lnRef idx="1">
-            <a:schemeClr val="accent1"/>
-          </a:lnRef>
-          <a:fillRef idx="0">
-            <a:schemeClr val="accent1"/>
-          </a:fillRef>
-          <a:effectRef idx="0">
-            <a:schemeClr val="accent1"/>
-          </a:effectRef>
-          <a:fontRef idx="minor">
-            <a:schemeClr val="tx1"/>
-          </a:fontRef>
-        </p:style>
-        <p:txBody>
-          <a:bodyPr rtlCol="0" anchor="ctr"/>
-          <a:lstStyle/>
-          <a:p>
-            <a:pPr algn="ctr"/>
-            <a:endParaRPr lang="ko-KR" altLang="en-US"/>
-          </a:p>
-        </p:txBody>
-      </p:sp>
-      <p:pic>
-        <p:nvPicPr>
-          <p:cNvPr id="1037" name="Picture 3"/>
-          <p:cNvPicPr>
-            <a:picLocks noChangeAspect="1" noChangeArrowheads="1"/>
-          </p:cNvPicPr>
-          <p:nvPr/>
-        </p:nvPicPr>
-        <p:blipFill>
-          <a:blip r:embed="rId11" cstate="print">
-            <a:extLst>
-              <a:ext uri="{28A0092B-C50C-407E-A947-70E740481C1C}">
-                <a14:useLocalDpi xmlns:a14="http://schemas.microsoft.com/office/drawing/2010/main" val="0"/>
-              </a:ext>
-            </a:extLst>
-          </a:blip>
-          <a:srcRect/>
-          <a:stretch>
-            <a:fillRect/>
-          </a:stretch>
-        </p:blipFill>
-        <p:spPr bwMode="auto">
-          <a:xfrm>
-            <a:off x="178881" y="4033822"/>
-            <a:ext cx="728986" cy="714406"/>
-          </a:xfrm>
-          <a:prstGeom prst="rect">
-            <a:avLst/>
-          </a:prstGeom>
-          <a:noFill/>
-          <a:ln>
-            <a:noFill/>
-          </a:ln>
-          <a:effectLst/>
-          <a:extLst>
-            <a:ext uri="{909E8E84-426E-40DD-AFC4-6F175D3DCCD1}">
-              <a14:hiddenFill xmlns:a14="http://schemas.microsoft.com/office/drawing/2010/main">
-                <a:solidFill>
-                  <a:schemeClr val="accent1"/>
-                </a:solidFill>
-              </a14:hiddenFill>
-            </a:ext>
-            <a:ext uri="{91240B29-F687-4F45-9708-019B960494DF}">
-              <a14:hiddenLine xmlns:a14="http://schemas.microsoft.com/office/drawing/2010/main" w="9525">
-                <a:solidFill>
-                  <a:schemeClr val="tx1"/>
-                </a:solidFill>
-                <a:miter lim="800000"/>
-                <a:headEnd/>
-                <a:tailEnd/>
-              </a14:hiddenLine>
-            </a:ext>
-            <a:ext uri="{AF507438-7753-43E0-B8FC-AC1667EBCBE1}">
-              <a14:hiddenEffects xmlns:a14="http://schemas.microsoft.com/office/drawing/2010/main">
-                <a:effectLst>
-                  <a:outerShdw dist="35921" dir="2700000" algn="ctr" rotWithShape="0">
-                    <a:schemeClr val="bg2"/>
-                  </a:outerShdw>
-                </a:effectLst>
-              </a14:hiddenEffects>
-            </a:ext>
-          </a:extLst>
-        </p:spPr>
-      </p:pic>
-      <p:pic>
-        <p:nvPicPr>
-          <p:cNvPr id="1040" name="Picture 4"/>
-          <p:cNvPicPr>
-            <a:picLocks noChangeAspect="1" noChangeArrowheads="1"/>
-          </p:cNvPicPr>
-          <p:nvPr/>
-        </p:nvPicPr>
-        <p:blipFill>
-          <a:blip r:embed="rId12" cstate="print">
-            <a:extLst>
-              <a:ext uri="{BEBA8EAE-BF5A-486C-A8C5-ECC9F3942E4B}">
-                <a14:imgProps xmlns:a14="http://schemas.microsoft.com/office/drawing/2010/main">
-                  <a14:imgLayer r:embed="rId13">
-                    <a14:imgEffect>
-                      <a14:sharpenSoften amount="-45000"/>
-                    </a14:imgEffect>
-                    <a14:imgEffect>
-                      <a14:colorTemperature colorTemp="5300"/>
-                    </a14:imgEffect>
-                  </a14:imgLayer>
-                </a14:imgProps>
-              </a:ext>
-              <a:ext uri="{28A0092B-C50C-407E-A947-70E740481C1C}">
-                <a14:useLocalDpi xmlns:a14="http://schemas.microsoft.com/office/drawing/2010/main" val="0"/>
-              </a:ext>
-            </a:extLst>
-          </a:blip>
-          <a:srcRect/>
-          <a:stretch>
-            <a:fillRect/>
-          </a:stretch>
-        </p:blipFill>
-        <p:spPr bwMode="auto">
-          <a:xfrm>
-            <a:off x="1088842" y="4030933"/>
-            <a:ext cx="1509594" cy="739234"/>
-          </a:xfrm>
-          <a:prstGeom prst="rect">
-            <a:avLst/>
-          </a:prstGeom>
-          <a:ln>
-            <a:noFill/>
-          </a:ln>
-          <a:effectLst>
-            <a:softEdge rad="112500"/>
-          </a:effectLst>
-          <a:extLst>
-            <a:ext uri="{909E8E84-426E-40DD-AFC4-6F175D3DCCD1}">
-              <a14:hiddenFill xmlns:a14="http://schemas.microsoft.com/office/drawing/2010/main">
-                <a:solidFill>
-                  <a:schemeClr val="accent1"/>
-                </a:solidFill>
-              </a14:hiddenFill>
-            </a:ext>
-            <a:ext uri="{91240B29-F687-4F45-9708-019B960494DF}">
-              <a14:hiddenLine xmlns:a14="http://schemas.microsoft.com/office/drawing/2010/main" w="9525">
-                <a:solidFill>
-                  <a:schemeClr val="tx1"/>
-                </a:solidFill>
-                <a:miter lim="800000"/>
-                <a:headEnd/>
-                <a:tailEnd/>
-              </a14:hiddenLine>
-            </a:ext>
-            <a:ext uri="{AF507438-7753-43E0-B8FC-AC1667EBCBE1}">
-              <a14:hiddenEffects xmlns:a14="http://schemas.microsoft.com/office/drawing/2010/main">
-                <a:effectLst>
-                  <a:outerShdw dist="35921" dir="2700000" algn="ctr" rotWithShape="0">
-                    <a:schemeClr val="bg2"/>
-                  </a:outerShdw>
-                </a:effectLst>
-              </a14:hiddenEffects>
-            </a:ext>
-          </a:extLst>
-        </p:spPr>
-      </p:pic>
-      <p:sp>
-        <p:nvSpPr>
-          <p:cNvPr id="81" name="모서리가 둥근 직사각형 80"/>
-          <p:cNvSpPr/>
-          <p:nvPr/>
-        </p:nvSpPr>
-        <p:spPr>
-          <a:xfrm>
-            <a:off x="131255" y="5383992"/>
-            <a:ext cx="1659783" cy="955868"/>
+            <a:off x="7788447" y="3201482"/>
+            <a:ext cx="1849318" cy="1412244"/>
           </a:xfrm>
           <a:prstGeom prst="roundRect">
             <a:avLst/>
@@ -9451,71 +9135,41 @@
                   <a:schemeClr val="tx1"/>
                 </a:solidFill>
                 <a:latin typeface="+mj-ea"/>
-              </a:rPr>
-              <a:t>상대방의 </a:t>
-            </a:r>
-            <a:r>
-              <a:rPr lang="ko-KR" altLang="en-US" sz="1200" b="1" dirty="0">
-                <a:solidFill>
-                  <a:schemeClr val="tx1"/>
-                </a:solidFill>
-                <a:latin typeface="+mj-ea"/>
-              </a:rPr>
-              <a:t>목소리</a:t>
-            </a:r>
-            <a:r>
-              <a:rPr lang="en-US" altLang="ko-KR" sz="1200" b="1" dirty="0">
-                <a:solidFill>
-                  <a:schemeClr val="tx1"/>
-                </a:solidFill>
-                <a:latin typeface="+mj-ea"/>
-              </a:rPr>
-              <a:t>, </a:t>
-            </a:r>
-            <a:r>
-              <a:rPr lang="ko-KR" altLang="en-US" sz="1200" b="1" dirty="0">
-                <a:solidFill>
-                  <a:schemeClr val="tx1"/>
-                </a:solidFill>
-                <a:latin typeface="+mj-ea"/>
-              </a:rPr>
-              <a:t>사용된 단어를 파악하여 위험 </a:t>
-            </a:r>
-            <a:r>
-              <a:rPr lang="ko-KR" altLang="en-US" sz="1200" b="1" dirty="0" smtClean="0">
-                <a:solidFill>
-                  <a:schemeClr val="tx1"/>
-                </a:solidFill>
-                <a:latin typeface="+mj-ea"/>
-              </a:rPr>
-              <a:t>상황을 감지한다</a:t>
+                <a:ea typeface="+mj-ea"/>
+              </a:rPr>
+              <a:t>평상시에는 아이가 좋아할만한 이미지를 출력하도록 한다</a:t>
             </a:r>
             <a:r>
               <a:rPr lang="en-US" altLang="ko-KR" sz="1200" b="1" dirty="0" smtClean="0">
-                <a:solidFill>
-                  <a:schemeClr val="tx1"/>
-                </a:solidFill>
-                <a:latin typeface="+mj-ea"/>
-              </a:rPr>
-              <a:t>.</a:t>
-            </a:r>
-            <a:endParaRPr lang="ko-KR" altLang="en-US" sz="1200" b="1" dirty="0">
-              <a:solidFill>
-                <a:schemeClr val="tx1"/>
-              </a:solidFill>
-              <a:latin typeface="+mj-ea"/>
-            </a:endParaRPr>
-          </a:p>
-          <a:p>
-            <a:r>
-              <a:rPr lang="ko-KR" altLang="en-US" sz="1200" b="1" dirty="0" smtClean="0">
                 <a:solidFill>
                   <a:schemeClr val="tx1"/>
                 </a:solidFill>
                 <a:latin typeface="+mj-ea"/>
                 <a:ea typeface="+mj-ea"/>
               </a:rPr>
-              <a:t> </a:t>
+              <a:t>.</a:t>
+            </a:r>
+          </a:p>
+          <a:p>
+            <a:r>
+              <a:rPr lang="ko-KR" altLang="en-US" sz="1200" b="1" dirty="0" smtClean="0">
+                <a:solidFill>
+                  <a:schemeClr val="tx1"/>
+                </a:solidFill>
+                <a:latin typeface="+mj-ea"/>
+                <a:ea typeface="+mj-ea"/>
+              </a:rPr>
+              <a:t>위급상황 발생시에 부모가 보내준 문구나 디스플레이의 색이 바뀌도록 한다</a:t>
+            </a:r>
+            <a:r>
+              <a:rPr lang="en-US" altLang="ko-KR" sz="1200" b="1" dirty="0" smtClean="0">
+                <a:solidFill>
+                  <a:schemeClr val="tx1"/>
+                </a:solidFill>
+                <a:latin typeface="+mj-ea"/>
+                <a:ea typeface="+mj-ea"/>
+              </a:rPr>
+              <a:t>.</a:t>
             </a:r>
             <a:endParaRPr lang="ko-KR" altLang="en-US" sz="1200" b="1" dirty="0">
               <a:solidFill>
@@ -9527,16 +9181,96 @@
           </a:p>
         </p:txBody>
       </p:sp>
-      <p:sp>
-        <p:nvSpPr>
-          <p:cNvPr id="82" name="모서리가 둥근 직사각형 81"/>
+      <p:cxnSp>
+        <p:nvCxnSpPr>
+          <p:cNvPr id="40" name="구부러진 연결선 39"/>
+          <p:cNvCxnSpPr/>
+          <p:nvPr/>
+        </p:nvCxnSpPr>
+        <p:spPr>
+          <a:xfrm rot="5400000" flipH="1" flipV="1">
+            <a:off x="5152785" y="3156790"/>
+            <a:ext cx="4089204" cy="1726525"/>
+          </a:xfrm>
+          <a:prstGeom prst="curvedConnector3">
+            <a:avLst>
+              <a:gd name="adj1" fmla="val 50000"/>
+            </a:avLst>
+          </a:prstGeom>
+          <a:ln w="19050">
+            <a:solidFill>
+              <a:srgbClr val="FF0000"/>
+            </a:solidFill>
+            <a:prstDash val="dash"/>
+            <a:headEnd type="triangle"/>
+            <a:tailEnd type="oval"/>
+          </a:ln>
+        </p:spPr>
+        <p:style>
+          <a:lnRef idx="1">
+            <a:schemeClr val="accent1"/>
+          </a:lnRef>
+          <a:fillRef idx="0">
+            <a:schemeClr val="accent1"/>
+          </a:fillRef>
+          <a:effectRef idx="0">
+            <a:schemeClr val="accent1"/>
+          </a:effectRef>
+          <a:fontRef idx="minor">
+            <a:schemeClr val="tx1"/>
+          </a:fontRef>
+        </p:style>
+      </p:cxnSp>
+      <p:cxnSp>
+        <p:nvCxnSpPr>
+          <p:cNvPr id="49" name="구부러진 연결선 48"/>
+          <p:cNvCxnSpPr/>
+          <p:nvPr/>
+        </p:nvCxnSpPr>
+        <p:spPr>
+          <a:xfrm flipV="1">
+            <a:off x="3489783" y="1975448"/>
+            <a:ext cx="4570869" cy="3989299"/>
+          </a:xfrm>
+          <a:prstGeom prst="curvedConnector3">
+            <a:avLst>
+              <a:gd name="adj1" fmla="val 613"/>
+            </a:avLst>
+          </a:prstGeom>
+          <a:ln w="19050">
+            <a:solidFill>
+              <a:srgbClr val="FF0000"/>
+            </a:solidFill>
+            <a:prstDash val="dash"/>
+            <a:headEnd type="triangle"/>
+            <a:tailEnd type="oval"/>
+          </a:ln>
+        </p:spPr>
+        <p:style>
+          <a:lnRef idx="1">
+            <a:schemeClr val="accent1"/>
+          </a:lnRef>
+          <a:fillRef idx="0">
+            <a:schemeClr val="accent1"/>
+          </a:fillRef>
+          <a:effectRef idx="0">
+            <a:schemeClr val="accent1"/>
+          </a:effectRef>
+          <a:fontRef idx="minor">
+            <a:schemeClr val="tx1"/>
+          </a:fontRef>
+        </p:style>
+      </p:cxnSp>
+      <p:sp>
+        <p:nvSpPr>
+          <p:cNvPr id="53" name="모서리가 둥근 직사각형 52"/>
           <p:cNvSpPr/>
           <p:nvPr/>
         </p:nvSpPr>
         <p:spPr>
           <a:xfrm>
-            <a:off x="6437432" y="1619250"/>
-            <a:ext cx="1849318" cy="1412244"/>
+            <a:off x="8060652" y="1061678"/>
+            <a:ext cx="1849318" cy="1553468"/>
           </a:xfrm>
           <a:prstGeom prst="roundRect">
             <a:avLst/>
@@ -9583,29 +9317,17 @@
                 <a:latin typeface="+mj-ea"/>
                 <a:ea typeface="+mj-ea"/>
               </a:rPr>
-              <a:t>평상시에는 아이가 좋아할만한 이미지를 출력하도록 한다</a:t>
-            </a:r>
-            <a:r>
-              <a:rPr lang="en-US" altLang="ko-KR" sz="1200" b="1" dirty="0" smtClean="0">
+              <a:t>아이가 누르기 쉬운 위치에 스위치를 설치</a:t>
+            </a:r>
+            <a:r>
+              <a:rPr lang="ko-KR" altLang="en-US" sz="1200" b="1" dirty="0" smtClean="0">
                 <a:solidFill>
                   <a:schemeClr val="tx1"/>
                 </a:solidFill>
                 <a:latin typeface="+mj-ea"/>
                 <a:ea typeface="+mj-ea"/>
               </a:rPr>
-              <a:t>.</a:t>
-            </a:r>
-          </a:p>
-          <a:p>
-            <a:r>
-              <a:rPr lang="ko-KR" altLang="en-US" sz="1200" b="1" dirty="0" smtClean="0">
-                <a:solidFill>
-                  <a:schemeClr val="tx1"/>
-                </a:solidFill>
-                <a:latin typeface="+mj-ea"/>
-                <a:ea typeface="+mj-ea"/>
-              </a:rPr>
-              <a:t>위급상황 발생시에 부모가 보내준 문구나 디스플레이의 색이 바뀌도록 한다</a:t>
+              <a:t>하고 스위치를 누르면 사이렌이 울림과 동시에 부모의 단말기에 정보를 전달한다</a:t>
             </a:r>
             <a:r>
               <a:rPr lang="en-US" altLang="ko-KR" sz="1200" b="1" dirty="0" smtClean="0">
@@ -9627,6 +9349,48 @@
           </a:p>
         </p:txBody>
       </p:sp>
+      <p:cxnSp>
+        <p:nvCxnSpPr>
+          <p:cNvPr id="54" name="구부러진 연결선 53"/>
+          <p:cNvCxnSpPr>
+            <a:stCxn id="14" idx="1"/>
+          </p:cNvCxnSpPr>
+          <p:nvPr/>
+        </p:nvCxnSpPr>
+        <p:spPr>
+          <a:xfrm rot="10800000">
+            <a:off x="2200280" y="5038729"/>
+            <a:ext cx="1650813" cy="795379"/>
+          </a:xfrm>
+          <a:prstGeom prst="curvedConnector3">
+            <a:avLst>
+              <a:gd name="adj1" fmla="val 50000"/>
+            </a:avLst>
+          </a:prstGeom>
+          <a:ln w="19050">
+            <a:solidFill>
+              <a:srgbClr val="FF0000"/>
+            </a:solidFill>
+            <a:prstDash val="dash"/>
+            <a:headEnd type="triangle"/>
+            <a:tailEnd type="oval"/>
+          </a:ln>
+        </p:spPr>
+        <p:style>
+          <a:lnRef idx="1">
+            <a:schemeClr val="accent1"/>
+          </a:lnRef>
+          <a:fillRef idx="0">
+            <a:schemeClr val="accent1"/>
+          </a:fillRef>
+          <a:effectRef idx="0">
+            <a:schemeClr val="accent1"/>
+          </a:effectRef>
+          <a:fontRef idx="minor">
+            <a:schemeClr val="tx1"/>
+          </a:fontRef>
+        </p:style>
+      </p:cxnSp>
     </p:spTree>
     <p:extLst>
       <p:ext uri="{BB962C8B-B14F-4D97-AF65-F5344CB8AC3E}">
@@ -12593,8 +12357,8 @@
         </p:nvSpPr>
         <p:spPr>
           <a:xfrm>
-            <a:off x="2961403" y="1476571"/>
-            <a:ext cx="4063292" cy="1015663"/>
+            <a:off x="2945053" y="1476571"/>
+            <a:ext cx="4095993" cy="1015663"/>
           </a:xfrm>
           <a:prstGeom prst="rect">
             <a:avLst/>
@@ -12616,15 +12380,18 @@
                 <a:latin typeface="a스마일M" pitchFamily="18" charset="-127"/>
                 <a:ea typeface="a스마일M" pitchFamily="18" charset="-127"/>
               </a:rPr>
-              <a:t>Thank You</a:t>
-            </a:r>
-            <a:endParaRPr lang="ko-KR" altLang="en-US" sz="6000" b="1" dirty="0">
-              <a:solidFill>
-                <a:schemeClr val="bg1"/>
-              </a:solidFill>
-              <a:latin typeface="a스마일M" pitchFamily="18" charset="-127"/>
-              <a:ea typeface="a스마일M" pitchFamily="18" charset="-127"/>
-            </a:endParaRPr>
+              <a:t>Thank </a:t>
+            </a:r>
+            <a:r>
+              <a:rPr lang="en-US" altLang="ko-KR" sz="6000" b="1" dirty="0" smtClean="0">
+                <a:solidFill>
+                  <a:schemeClr val="bg1"/>
+                </a:solidFill>
+                <a:latin typeface="a스마일M" pitchFamily="18" charset="-127"/>
+                <a:ea typeface="a스마일M" pitchFamily="18" charset="-127"/>
+              </a:rPr>
+              <a:t>You</a:t>
+            </a:r>
           </a:p>
         </p:txBody>
       </p:sp>
@@ -12898,7 +12665,7 @@
   <a:extraClrSchemeLst/>
   <a:extLst>
     <a:ext uri="{05A4C25C-085E-4340-85A3-A5531E510DB2}">
-      <thm15:themeFamily xmlns:thm15="http://schemas.microsoft.com/office/thememl/2012/main" xmlns="" name="Office Theme" id="{62F939B6-93AF-4DB8-9C6B-D6C7DFDC589F}" vid="{4A3C46E8-61CC-4603-A589-7422A47A8E4A}"/>
+      <thm15:themeFamily xmlns="" xmlns:thm15="http://schemas.microsoft.com/office/thememl/2012/main" name="Office Theme" id="{62F939B6-93AF-4DB8-9C6B-D6C7DFDC589F}" vid="{4A3C46E8-61CC-4603-A589-7422A47A8E4A}"/>
     </a:ext>
   </a:extLst>
 </a:theme>
